--- a/修論/修論発表.pptx
+++ b/修論/修論発表.pptx
@@ -229,7 +229,7 @@
           <a:p>
             <a:fld id="{0609E892-9577-49BF-BD61-E6F1958634EC}" type="datetimeFigureOut">
               <a:rPr lang="zh-CN" altLang="en-US" smtClean="0"/>
-              <a:t>2022/1/6</a:t>
+              <a:t>2022/1/8</a:t>
             </a:fld>
             <a:endParaRPr lang="zh-CN" altLang="en-US"/>
           </a:p>
@@ -2964,7 +2964,7 @@
           <a:p>
             <a:fld id="{7E44E495-5B9C-46DC-9ABF-EBA755E18CAD}" type="datetime1">
               <a:rPr lang="zh-CN" altLang="en-US" smtClean="0"/>
-              <a:t>2022/1/6</a:t>
+              <a:t>2022/1/8</a:t>
             </a:fld>
             <a:endParaRPr lang="zh-CN" altLang="en-US"/>
           </a:p>
@@ -3209,7 +3209,7 @@
           <a:p>
             <a:fld id="{A8E80011-981F-4315-8654-0598522F0138}" type="datetime1">
               <a:rPr lang="zh-CN" altLang="en-US" smtClean="0"/>
-              <a:t>2022/1/6</a:t>
+              <a:t>2022/1/8</a:t>
             </a:fld>
             <a:endParaRPr lang="zh-CN" altLang="en-US"/>
           </a:p>
@@ -3497,7 +3497,7 @@
           <a:p>
             <a:fld id="{9D3A1270-9E4D-43E0-8E37-14B07DE6D2EB}" type="datetime1">
               <a:rPr lang="zh-CN" altLang="en-US" smtClean="0"/>
-              <a:t>2022/1/6</a:t>
+              <a:t>2022/1/8</a:t>
             </a:fld>
             <a:endParaRPr lang="zh-CN" altLang="en-US"/>
           </a:p>
@@ -3703,7 +3703,7 @@
           <a:p>
             <a:fld id="{98783A88-9AAD-4219-9CFD-B1449D3A52CE}" type="datetime1">
               <a:rPr lang="zh-CN" altLang="en-US" smtClean="0"/>
-              <a:t>2022/1/6</a:t>
+              <a:t>2022/1/8</a:t>
             </a:fld>
             <a:endParaRPr lang="zh-CN" altLang="en-US"/>
           </a:p>
@@ -4051,7 +4051,7 @@
           <a:p>
             <a:fld id="{D940D631-C2F2-4ACD-8C5D-0B3E17D7EFC7}" type="datetime1">
               <a:rPr lang="zh-CN" altLang="en-US" smtClean="0"/>
-              <a:t>2022/1/6</a:t>
+              <a:t>2022/1/8</a:t>
             </a:fld>
             <a:endParaRPr lang="zh-CN" altLang="en-US"/>
           </a:p>
@@ -4390,7 +4390,7 @@
           <a:p>
             <a:fld id="{9F7B2E86-89B6-4324-BFCD-15E63B47DFCC}" type="datetime1">
               <a:rPr lang="zh-CN" altLang="en-US" smtClean="0"/>
-              <a:t>2022/1/6</a:t>
+              <a:t>2022/1/8</a:t>
             </a:fld>
             <a:endParaRPr lang="zh-CN" altLang="en-US"/>
           </a:p>
@@ -4838,7 +4838,7 @@
           <a:p>
             <a:fld id="{EACE1BEE-6CF8-417A-9F5A-A7AFA2B75CB9}" type="datetime1">
               <a:rPr lang="zh-CN" altLang="en-US" smtClean="0"/>
-              <a:t>2022/1/6</a:t>
+              <a:t>2022/1/8</a:t>
             </a:fld>
             <a:endParaRPr lang="zh-CN" altLang="en-US"/>
           </a:p>
@@ -4961,7 +4961,7 @@
           <a:p>
             <a:fld id="{56B238FE-92A0-4E48-B80B-55CA2AEDBEEE}" type="datetime1">
               <a:rPr lang="zh-CN" altLang="en-US" smtClean="0"/>
-              <a:t>2022/1/6</a:t>
+              <a:t>2022/1/8</a:t>
             </a:fld>
             <a:endParaRPr lang="zh-CN" altLang="en-US"/>
           </a:p>
@@ -5132,7 +5132,7 @@
           <a:p>
             <a:fld id="{3BFE9372-200A-4E0F-8CA6-B6195FE919CD}" type="datetime1">
               <a:rPr lang="zh-CN" altLang="en-US" smtClean="0"/>
-              <a:t>2022/1/6</a:t>
+              <a:t>2022/1/8</a:t>
             </a:fld>
             <a:endParaRPr lang="zh-CN" altLang="en-US"/>
           </a:p>
@@ -5523,7 +5523,7 @@
           <a:p>
             <a:fld id="{BBD90B03-4F90-43D2-964E-AC657ABC78D1}" type="datetime1">
               <a:rPr lang="zh-CN" altLang="en-US" smtClean="0"/>
-              <a:t>2022/1/6</a:t>
+              <a:t>2022/1/8</a:t>
             </a:fld>
             <a:endParaRPr lang="zh-CN" altLang="en-US"/>
           </a:p>
@@ -5905,7 +5905,7 @@
           <a:p>
             <a:fld id="{8CCF7416-CE0F-4BDB-96DA-267B52D91876}" type="datetime1">
               <a:rPr lang="zh-CN" altLang="en-US" smtClean="0"/>
-              <a:t>2022/1/6</a:t>
+              <a:t>2022/1/8</a:t>
             </a:fld>
             <a:endParaRPr lang="zh-CN" altLang="en-US"/>
           </a:p>
@@ -6224,7 +6224,7 @@
           <a:p>
             <a:fld id="{CFCF8031-CBE7-4BC9-98AE-67161529E80F}" type="datetime1">
               <a:rPr lang="zh-CN" altLang="en-US" smtClean="0"/>
-              <a:t>2022/1/6</a:t>
+              <a:t>2022/1/8</a:t>
             </a:fld>
             <a:endParaRPr lang="zh-CN" altLang="en-US"/>
           </a:p>
@@ -18605,7 +18605,7 @@
             </a:pPr>
             <a:r>
               <a:rPr lang="ja-JP" altLang="en-US" sz="3200" dirty="0"/>
-              <a:t>一回で関数の一つの引数を</a:t>
+              <a:t>一回で関数の一つの引数しか</a:t>
             </a:r>
             <a:r>
               <a:rPr lang="en-US" altLang="ja-JP" sz="3200" dirty="0"/>
@@ -18613,7 +18613,7 @@
             </a:r>
             <a:r>
               <a:rPr lang="ja-JP" altLang="en-US" sz="3200" dirty="0"/>
-              <a:t>しかない</a:t>
+              <a:t>ない</a:t>
             </a:r>
             <a:endParaRPr lang="en-US" altLang="ja-JP" sz="3200" dirty="0"/>
           </a:p>

--- a/修論/修論発表.pptx
+++ b/修論/修論発表.pptx
@@ -229,7 +229,7 @@
           <a:p>
             <a:fld id="{0609E892-9577-49BF-BD61-E6F1958634EC}" type="datetimeFigureOut">
               <a:rPr lang="zh-CN" altLang="en-US" smtClean="0"/>
-              <a:t>2022/1/8</a:t>
+              <a:t>2022/1/17</a:t>
             </a:fld>
             <a:endParaRPr lang="zh-CN" altLang="en-US"/>
           </a:p>
@@ -2964,7 +2964,7 @@
           <a:p>
             <a:fld id="{7E44E495-5B9C-46DC-9ABF-EBA755E18CAD}" type="datetime1">
               <a:rPr lang="zh-CN" altLang="en-US" smtClean="0"/>
-              <a:t>2022/1/8</a:t>
+              <a:t>2022/1/17</a:t>
             </a:fld>
             <a:endParaRPr lang="zh-CN" altLang="en-US"/>
           </a:p>
@@ -3209,7 +3209,7 @@
           <a:p>
             <a:fld id="{A8E80011-981F-4315-8654-0598522F0138}" type="datetime1">
               <a:rPr lang="zh-CN" altLang="en-US" smtClean="0"/>
-              <a:t>2022/1/8</a:t>
+              <a:t>2022/1/17</a:t>
             </a:fld>
             <a:endParaRPr lang="zh-CN" altLang="en-US"/>
           </a:p>
@@ -3497,7 +3497,7 @@
           <a:p>
             <a:fld id="{9D3A1270-9E4D-43E0-8E37-14B07DE6D2EB}" type="datetime1">
               <a:rPr lang="zh-CN" altLang="en-US" smtClean="0"/>
-              <a:t>2022/1/8</a:t>
+              <a:t>2022/1/17</a:t>
             </a:fld>
             <a:endParaRPr lang="zh-CN" altLang="en-US"/>
           </a:p>
@@ -3703,7 +3703,7 @@
           <a:p>
             <a:fld id="{98783A88-9AAD-4219-9CFD-B1449D3A52CE}" type="datetime1">
               <a:rPr lang="zh-CN" altLang="en-US" smtClean="0"/>
-              <a:t>2022/1/8</a:t>
+              <a:t>2022/1/17</a:t>
             </a:fld>
             <a:endParaRPr lang="zh-CN" altLang="en-US"/>
           </a:p>
@@ -4051,7 +4051,7 @@
           <a:p>
             <a:fld id="{D940D631-C2F2-4ACD-8C5D-0B3E17D7EFC7}" type="datetime1">
               <a:rPr lang="zh-CN" altLang="en-US" smtClean="0"/>
-              <a:t>2022/1/8</a:t>
+              <a:t>2022/1/17</a:t>
             </a:fld>
             <a:endParaRPr lang="zh-CN" altLang="en-US"/>
           </a:p>
@@ -4390,7 +4390,7 @@
           <a:p>
             <a:fld id="{9F7B2E86-89B6-4324-BFCD-15E63B47DFCC}" type="datetime1">
               <a:rPr lang="zh-CN" altLang="en-US" smtClean="0"/>
-              <a:t>2022/1/8</a:t>
+              <a:t>2022/1/17</a:t>
             </a:fld>
             <a:endParaRPr lang="zh-CN" altLang="en-US"/>
           </a:p>
@@ -4838,7 +4838,7 @@
           <a:p>
             <a:fld id="{EACE1BEE-6CF8-417A-9F5A-A7AFA2B75CB9}" type="datetime1">
               <a:rPr lang="zh-CN" altLang="en-US" smtClean="0"/>
-              <a:t>2022/1/8</a:t>
+              <a:t>2022/1/17</a:t>
             </a:fld>
             <a:endParaRPr lang="zh-CN" altLang="en-US"/>
           </a:p>
@@ -4961,7 +4961,7 @@
           <a:p>
             <a:fld id="{56B238FE-92A0-4E48-B80B-55CA2AEDBEEE}" type="datetime1">
               <a:rPr lang="zh-CN" altLang="en-US" smtClean="0"/>
-              <a:t>2022/1/8</a:t>
+              <a:t>2022/1/17</a:t>
             </a:fld>
             <a:endParaRPr lang="zh-CN" altLang="en-US"/>
           </a:p>
@@ -5132,7 +5132,7 @@
           <a:p>
             <a:fld id="{3BFE9372-200A-4E0F-8CA6-B6195FE919CD}" type="datetime1">
               <a:rPr lang="zh-CN" altLang="en-US" smtClean="0"/>
-              <a:t>2022/1/8</a:t>
+              <a:t>2022/1/17</a:t>
             </a:fld>
             <a:endParaRPr lang="zh-CN" altLang="en-US"/>
           </a:p>
@@ -5523,7 +5523,7 @@
           <a:p>
             <a:fld id="{BBD90B03-4F90-43D2-964E-AC657ABC78D1}" type="datetime1">
               <a:rPr lang="zh-CN" altLang="en-US" smtClean="0"/>
-              <a:t>2022/1/8</a:t>
+              <a:t>2022/1/17</a:t>
             </a:fld>
             <a:endParaRPr lang="zh-CN" altLang="en-US"/>
           </a:p>
@@ -5905,7 +5905,7 @@
           <a:p>
             <a:fld id="{8CCF7416-CE0F-4BDB-96DA-267B52D91876}" type="datetime1">
               <a:rPr lang="zh-CN" altLang="en-US" smtClean="0"/>
-              <a:t>2022/1/8</a:t>
+              <a:t>2022/1/17</a:t>
             </a:fld>
             <a:endParaRPr lang="zh-CN" altLang="en-US"/>
           </a:p>
@@ -6224,7 +6224,7 @@
           <a:p>
             <a:fld id="{CFCF8031-CBE7-4BC9-98AE-67161529E80F}" type="datetime1">
               <a:rPr lang="zh-CN" altLang="en-US" smtClean="0"/>
-              <a:t>2022/1/8</a:t>
+              <a:t>2022/1/17</a:t>
             </a:fld>
             <a:endParaRPr lang="zh-CN" altLang="en-US"/>
           </a:p>
@@ -13511,7 +13511,7 @@
         <p:spPr>
           <a:xfrm>
             <a:off x="-365760" y="1228397"/>
-            <a:ext cx="12176760" cy="2246769"/>
+            <a:ext cx="12176760" cy="2677656"/>
           </a:xfrm>
           <a:prstGeom prst="rect">
             <a:avLst/>
@@ -13602,6 +13602,20 @@
             <a:r>
               <a:rPr lang="ja-JP" altLang="en-US" sz="2800" dirty="0"/>
               <a:t>に対しての改善策を考え</a:t>
+            </a:r>
+            <a:endParaRPr lang="en-US" altLang="ja-JP" sz="2800" dirty="0"/>
+          </a:p>
+          <a:p>
+            <a:pPr marL="1371600" lvl="2" indent="-457200">
+              <a:buClr>
+                <a:schemeClr val="accent1"/>
+              </a:buClr>
+              <a:buFont typeface="Arial" panose="020B0604020202020204" pitchFamily="34" charset="0"/>
+              <a:buChar char="•"/>
+            </a:pPr>
+            <a:r>
+              <a:rPr lang="ja-JP" altLang="en-US" sz="2800" dirty="0"/>
+              <a:t>修復アルゴリズムを改善</a:t>
             </a:r>
             <a:endParaRPr lang="en-US" altLang="ja-JP" sz="2800" dirty="0"/>
           </a:p>

--- a/修論/修論発表.pptx
+++ b/修論/修論発表.pptx
@@ -795,7 +795,7 @@
             </a:r>
             <a:r>
               <a:rPr lang="ja-JP" altLang="en-US" dirty="0"/>
-              <a:t>のタイプと名を収集します。</a:t>
+              <a:t>を収集します。</a:t>
             </a:r>
             <a:endParaRPr lang="en-US" altLang="ja-JP" dirty="0"/>
           </a:p>
@@ -1146,7 +1146,7 @@
             </a:r>
             <a:r>
               <a:rPr lang="ja-JP" altLang="en-US" dirty="0"/>
-              <a:t>は修復途中で正しくない</a:t>
+              <a:t>は修復途中で誤</a:t>
             </a:r>
             <a:r>
               <a:rPr lang="en-US" altLang="ja-JP" dirty="0"/>
@@ -1246,7 +1246,7 @@
             </a:r>
             <a:r>
               <a:rPr lang="ja-JP" altLang="en-US" dirty="0"/>
-              <a:t>がどちらに挿入しても修復できないと、</a:t>
+              <a:t>がどちらに挿入してもエラーを修復できないと、</a:t>
             </a:r>
             <a:r>
               <a:rPr lang="en-US" altLang="ja-JP" dirty="0"/>
@@ -1681,7 +1681,7 @@
             </a:r>
             <a:r>
               <a:rPr lang="ja-JP" altLang="en-US" dirty="0"/>
-              <a:t>関係の行為を細かく解析しなく、軽量的な静的解析を用いて単純に</a:t>
+              <a:t>関係の行為を細かく解析しなく、軽量な静的解析を用いて単純に</a:t>
             </a:r>
             <a:r>
               <a:rPr lang="en-US" altLang="ja-JP" dirty="0"/>
@@ -2903,7 +2903,7 @@
             </a:r>
             <a:r>
               <a:rPr lang="ja-JP" altLang="en-US" sz="1600" dirty="0"/>
-              <a:t>を用いて再検査し、本当のエラーを抽出します。</a:t>
+              <a:t>を用いて再検査し、本当のエラーを検知します。</a:t>
             </a:r>
             <a:endParaRPr lang="en-US" altLang="ja-JP" sz="1600" dirty="0"/>
           </a:p>
@@ -7872,7 +7872,7 @@
             </a:r>
             <a:r>
               <a:rPr lang="ja-JP" altLang="en-US" dirty="0"/>
-              <a:t>は検知しなかったです。</a:t>
+              <a:t>検知しなかったです。</a:t>
             </a:r>
             <a:endParaRPr lang="en-US" altLang="ja-JP" dirty="0"/>
           </a:p>
@@ -7898,7 +7898,7 @@
             </a:r>
             <a:r>
               <a:rPr lang="ja-JP" altLang="en-US" dirty="0"/>
-              <a:t>はエラーパスが提供できます。</a:t>
+              <a:t>はエラーパスも提供できます。</a:t>
             </a:r>
             <a:endParaRPr lang="zh-CN" altLang="en-US" dirty="0"/>
           </a:p>
